--- a/data/cpp/cv2/cpp_cv2.pptx
+++ b/data/cpp/cv2/cpp_cv2.pptx
@@ -206,7 +206,7 @@
           <a:p>
             <a:fld id="{264365F8-69A4-4DE6-910D-D957C3A0E3E0}" type="datetimeFigureOut">
               <a:rPr lang="en-US" smtClean="0"/>
-              <a:t>10/8/2018</a:t>
+              <a:t>10/15/2018</a:t>
             </a:fld>
             <a:endParaRPr lang="en-US"/>
           </a:p>
@@ -663,7 +663,7 @@
             <a:fld id="{B61BEF0D-F0BB-DE4B-95CE-6DB70DBA9567}" type="datetimeFigureOut">
               <a:rPr lang="en-US" dirty="0"/>
               <a:pPr/>
-              <a:t>10/8/2018</a:t>
+              <a:t>10/15/2018</a:t>
             </a:fld>
             <a:endParaRPr lang="en-US" dirty="0"/>
           </a:p>
@@ -998,7 +998,7 @@
             <a:fld id="{B61BEF0D-F0BB-DE4B-95CE-6DB70DBA9567}" type="datetimeFigureOut">
               <a:rPr lang="en-US" dirty="0"/>
               <a:pPr/>
-              <a:t>10/8/2018</a:t>
+              <a:t>10/15/2018</a:t>
             </a:fld>
             <a:endParaRPr lang="en-US" dirty="0"/>
           </a:p>
@@ -1396,7 +1396,7 @@
             <a:fld id="{B61BEF0D-F0BB-DE4B-95CE-6DB70DBA9567}" type="datetimeFigureOut">
               <a:rPr lang="en-US" dirty="0"/>
               <a:pPr/>
-              <a:t>10/8/2018</a:t>
+              <a:t>10/15/2018</a:t>
             </a:fld>
             <a:endParaRPr lang="en-US" dirty="0"/>
           </a:p>
@@ -1729,7 +1729,7 @@
             <a:fld id="{B61BEF0D-F0BB-DE4B-95CE-6DB70DBA9567}" type="datetimeFigureOut">
               <a:rPr lang="en-US" dirty="0"/>
               <a:pPr/>
-              <a:t>10/8/2018</a:t>
+              <a:t>10/15/2018</a:t>
             </a:fld>
             <a:endParaRPr lang="en-US" dirty="0"/>
           </a:p>
@@ -2046,7 +2046,7 @@
             <a:fld id="{B61BEF0D-F0BB-DE4B-95CE-6DB70DBA9567}" type="datetimeFigureOut">
               <a:rPr lang="en-US" dirty="0"/>
               <a:pPr/>
-              <a:t>10/8/2018</a:t>
+              <a:t>10/15/2018</a:t>
             </a:fld>
             <a:endParaRPr lang="en-US" dirty="0"/>
           </a:p>
@@ -2439,7 +2439,7 @@
             <a:fld id="{B61BEF0D-F0BB-DE4B-95CE-6DB70DBA9567}" type="datetimeFigureOut">
               <a:rPr lang="en-US" dirty="0"/>
               <a:pPr/>
-              <a:t>10/8/2018</a:t>
+              <a:t>10/15/2018</a:t>
             </a:fld>
             <a:endParaRPr lang="en-US" dirty="0"/>
           </a:p>
@@ -2693,7 +2693,7 @@
             <a:fld id="{B61BEF0D-F0BB-DE4B-95CE-6DB70DBA9567}" type="datetimeFigureOut">
               <a:rPr lang="en-US" dirty="0"/>
               <a:pPr/>
-              <a:t>10/8/2018</a:t>
+              <a:t>10/15/2018</a:t>
             </a:fld>
             <a:endParaRPr lang="en-US" dirty="0"/>
           </a:p>
@@ -2952,7 +2952,7 @@
             <a:fld id="{B61BEF0D-F0BB-DE4B-95CE-6DB70DBA9567}" type="datetimeFigureOut">
               <a:rPr lang="en-US" dirty="0"/>
               <a:pPr/>
-              <a:t>10/8/2018</a:t>
+              <a:t>10/15/2018</a:t>
             </a:fld>
             <a:endParaRPr lang="en-US" dirty="0"/>
           </a:p>
@@ -3211,7 +3211,7 @@
             <a:fld id="{B61BEF0D-F0BB-DE4B-95CE-6DB70DBA9567}" type="datetimeFigureOut">
               <a:rPr lang="en-US" dirty="0"/>
               <a:pPr/>
-              <a:t>10/8/2018</a:t>
+              <a:t>10/15/2018</a:t>
             </a:fld>
             <a:endParaRPr lang="en-US" dirty="0"/>
           </a:p>
@@ -3537,7 +3537,7 @@
             <a:fld id="{B61BEF0D-F0BB-DE4B-95CE-6DB70DBA9567}" type="datetimeFigureOut">
               <a:rPr lang="en-US" dirty="0"/>
               <a:pPr/>
-              <a:t>10/8/2018</a:t>
+              <a:t>10/15/2018</a:t>
             </a:fld>
             <a:endParaRPr lang="en-US" dirty="0"/>
           </a:p>
@@ -3857,7 +3857,7 @@
             <a:fld id="{B61BEF0D-F0BB-DE4B-95CE-6DB70DBA9567}" type="datetimeFigureOut">
               <a:rPr lang="en-US" dirty="0"/>
               <a:pPr/>
-              <a:t>10/8/2018</a:t>
+              <a:t>10/15/2018</a:t>
             </a:fld>
             <a:endParaRPr lang="en-US" dirty="0"/>
           </a:p>
@@ -4311,7 +4311,7 @@
             <a:fld id="{B61BEF0D-F0BB-DE4B-95CE-6DB70DBA9567}" type="datetimeFigureOut">
               <a:rPr lang="en-US" dirty="0"/>
               <a:pPr/>
-              <a:t>10/8/2018</a:t>
+              <a:t>10/15/2018</a:t>
             </a:fld>
             <a:endParaRPr lang="en-US" dirty="0"/>
           </a:p>
@@ -4513,7 +4513,7 @@
             <a:fld id="{B61BEF0D-F0BB-DE4B-95CE-6DB70DBA9567}" type="datetimeFigureOut">
               <a:rPr lang="en-US" dirty="0"/>
               <a:pPr/>
-              <a:t>10/8/2018</a:t>
+              <a:t>10/15/2018</a:t>
             </a:fld>
             <a:endParaRPr lang="en-US" dirty="0"/>
           </a:p>
@@ -4687,7 +4687,7 @@
             <a:fld id="{B61BEF0D-F0BB-DE4B-95CE-6DB70DBA9567}" type="datetimeFigureOut">
               <a:rPr lang="en-US" dirty="0"/>
               <a:pPr/>
-              <a:t>10/8/2018</a:t>
+              <a:t>10/15/2018</a:t>
             </a:fld>
             <a:endParaRPr lang="en-US" dirty="0"/>
           </a:p>
@@ -5017,7 +5017,7 @@
             <a:fld id="{B61BEF0D-F0BB-DE4B-95CE-6DB70DBA9567}" type="datetimeFigureOut">
               <a:rPr lang="en-US" dirty="0"/>
               <a:pPr/>
-              <a:t>10/8/2018</a:t>
+              <a:t>10/15/2018</a:t>
             </a:fld>
             <a:endParaRPr lang="en-US" dirty="0"/>
           </a:p>
@@ -5359,7 +5359,7 @@
             <a:fld id="{B61BEF0D-F0BB-DE4B-95CE-6DB70DBA9567}" type="datetimeFigureOut">
               <a:rPr lang="en-US" dirty="0"/>
               <a:pPr/>
-              <a:t>10/8/2018</a:t>
+              <a:t>10/15/2018</a:t>
             </a:fld>
             <a:endParaRPr lang="en-US" dirty="0"/>
           </a:p>
@@ -7473,7 +7473,7 @@
             <a:fld id="{B61BEF0D-F0BB-DE4B-95CE-6DB70DBA9567}" type="datetimeFigureOut">
               <a:rPr lang="en-US" dirty="0"/>
               <a:pPr/>
-              <a:t>10/8/2018</a:t>
+              <a:t>10/15/2018</a:t>
             </a:fld>
             <a:endParaRPr lang="en-US" dirty="0"/>
           </a:p>
@@ -8295,53 +8295,15 @@
             </a:r>
             <a:r>
               <a:rPr lang="en-US" dirty="0" smtClean="0"/>
-              <a:t>10”;</a:t>
-            </a:r>
-            <a:br>
-              <a:rPr lang="en-US" dirty="0" smtClean="0"/>
-            </a:br>
-            <a:r>
-              <a:rPr lang="en-US" dirty="0" smtClean="0"/>
-              <a:t>  </a:t>
-            </a:r>
-            <a:r>
-              <a:rPr lang="en-US" dirty="0" err="1" smtClean="0"/>
-              <a:t>fn_ref</a:t>
-            </a:r>
-            <a:r>
-              <a:rPr lang="en-US" dirty="0" smtClean="0"/>
-              <a:t>(c);</a:t>
-            </a:r>
-            <a:br>
-              <a:rPr lang="en-US" dirty="0" smtClean="0"/>
-            </a:br>
-            <a:r>
-              <a:rPr lang="en-US" dirty="0"/>
-              <a:t> </a:t>
-            </a:r>
-            <a:r>
-              <a:rPr lang="en-US" dirty="0" smtClean="0"/>
-              <a:t> </a:t>
-            </a:r>
-            <a:r>
-              <a:rPr lang="en-US" dirty="0" err="1" smtClean="0"/>
-              <a:t>std</a:t>
-            </a:r>
-            <a:r>
-              <a:rPr lang="en-US" dirty="0"/>
-              <a:t>::</a:t>
-            </a:r>
-            <a:r>
-              <a:rPr lang="en-US" dirty="0" err="1"/>
-              <a:t>cout</a:t>
-            </a:r>
-            <a:r>
-              <a:rPr lang="en-US" dirty="0"/>
-              <a:t> &lt;&lt; “</a:t>
-            </a:r>
-            <a:r>
-              <a:rPr lang="en-US" dirty="0" smtClean="0"/>
-              <a:t>15”;</a:t>
+              <a:t>10</a:t>
+            </a:r>
+            <a:r>
+              <a:rPr lang="en-US" dirty="0" smtClean="0"/>
+              <a:t>”;</a:t>
+            </a:r>
+            <a:r>
+              <a:rPr lang="en-US" dirty="0" smtClean="0"/>
+              <a:t/>
             </a:r>
             <a:br>
               <a:rPr lang="en-US" dirty="0" smtClean="0"/>
@@ -10770,11 +10732,7 @@
             </a:pPr>
             <a:r>
               <a:rPr lang="cs-CZ" dirty="0" smtClean="0"/>
-              <a:t>Zkusit si, jak fungují konstrukty + </a:t>
-            </a:r>
-            <a:r>
-              <a:rPr lang="cs-CZ" dirty="0" smtClean="0"/>
-              <a:t>vector</a:t>
+              <a:t>Zkusit si, jak fungují konstrukty + vector</a:t>
             </a:r>
           </a:p>
           <a:p>
@@ -10786,7 +10744,6 @@
               <a:rPr lang="cs-CZ" dirty="0" smtClean="0"/>
               <a:t>Naimplementuj třídu C</a:t>
             </a:r>
-            <a:endParaRPr lang="cs-CZ" dirty="0" smtClean="0"/>
           </a:p>
           <a:p>
             <a:pPr>
